--- a/CP/ppt/总结.pptx
+++ b/CP/ppt/总结.pptx
@@ -5,7 +5,7 @@
     <p:sldMasterId id="2147483648" r:id="rId1"/>
   </p:sldMasterIdLst>
   <p:notesMasterIdLst>
-    <p:notesMasterId r:id="rId14"/>
+    <p:notesMasterId r:id="rId16"/>
   </p:notesMasterIdLst>
   <p:sldIdLst>
     <p:sldId id="256" r:id="rId2"/>
@@ -13,13 +13,15 @@
     <p:sldId id="258" r:id="rId4"/>
     <p:sldId id="259" r:id="rId5"/>
     <p:sldId id="260" r:id="rId6"/>
-    <p:sldId id="261" r:id="rId7"/>
-    <p:sldId id="262" r:id="rId8"/>
-    <p:sldId id="263" r:id="rId9"/>
-    <p:sldId id="264" r:id="rId10"/>
-    <p:sldId id="265" r:id="rId11"/>
-    <p:sldId id="266" r:id="rId12"/>
-    <p:sldId id="267" r:id="rId13"/>
+    <p:sldId id="268" r:id="rId7"/>
+    <p:sldId id="261" r:id="rId8"/>
+    <p:sldId id="269" r:id="rId9"/>
+    <p:sldId id="262" r:id="rId10"/>
+    <p:sldId id="263" r:id="rId11"/>
+    <p:sldId id="264" r:id="rId12"/>
+    <p:sldId id="265" r:id="rId13"/>
+    <p:sldId id="266" r:id="rId14"/>
+    <p:sldId id="267" r:id="rId15"/>
   </p:sldIdLst>
   <p:sldSz cx="12192000" cy="6858000"/>
   <p:notesSz cx="6858000" cy="9144000"/>
@@ -211,7 +213,7 @@
           <a:p>
             <a:fld id="{E54CE5E4-8022-4BFB-8D88-6283C8B48319}" type="datetimeFigureOut">
               <a:rPr lang="zh-CN" altLang="en-US" smtClean="0"/>
-              <a:t>2021/4/7</a:t>
+              <a:t>2021/4/15</a:t>
             </a:fld>
             <a:endParaRPr lang="zh-CN" altLang="en-US"/>
           </a:p>
@@ -639,7 +641,7 @@
           <a:p>
             <a:fld id="{471EEEF1-EA46-4397-910D-84920013A381}" type="datetimeFigureOut">
               <a:rPr lang="zh-CN" altLang="en-US" smtClean="0"/>
-              <a:t>2021/4/7</a:t>
+              <a:t>2021/4/15</a:t>
             </a:fld>
             <a:endParaRPr lang="zh-CN" altLang="en-US"/>
           </a:p>
@@ -877,7 +879,7 @@
           <a:p>
             <a:fld id="{471EEEF1-EA46-4397-910D-84920013A381}" type="datetimeFigureOut">
               <a:rPr lang="zh-CN" altLang="en-US" smtClean="0"/>
-              <a:t>2021/4/7</a:t>
+              <a:t>2021/4/15</a:t>
             </a:fld>
             <a:endParaRPr lang="zh-CN" altLang="en-US"/>
           </a:p>
@@ -1115,7 +1117,7 @@
           <a:p>
             <a:fld id="{471EEEF1-EA46-4397-910D-84920013A381}" type="datetimeFigureOut">
               <a:rPr lang="zh-CN" altLang="en-US" smtClean="0"/>
-              <a:t>2021/4/7</a:t>
+              <a:t>2021/4/15</a:t>
             </a:fld>
             <a:endParaRPr lang="zh-CN" altLang="en-US"/>
           </a:p>
@@ -1353,7 +1355,7 @@
           <a:p>
             <a:fld id="{471EEEF1-EA46-4397-910D-84920013A381}" type="datetimeFigureOut">
               <a:rPr lang="zh-CN" altLang="en-US" smtClean="0"/>
-              <a:t>2021/4/7</a:t>
+              <a:t>2021/4/15</a:t>
             </a:fld>
             <a:endParaRPr lang="zh-CN" altLang="en-US"/>
           </a:p>
@@ -1658,7 +1660,7 @@
           <a:p>
             <a:fld id="{471EEEF1-EA46-4397-910D-84920013A381}" type="datetimeFigureOut">
               <a:rPr lang="zh-CN" altLang="en-US" smtClean="0"/>
-              <a:t>2021/4/7</a:t>
+              <a:t>2021/4/15</a:t>
             </a:fld>
             <a:endParaRPr lang="zh-CN" altLang="en-US"/>
           </a:p>
@@ -1961,7 +1963,7 @@
           <a:p>
             <a:fld id="{471EEEF1-EA46-4397-910D-84920013A381}" type="datetimeFigureOut">
               <a:rPr lang="zh-CN" altLang="en-US" smtClean="0"/>
-              <a:t>2021/4/7</a:t>
+              <a:t>2021/4/15</a:t>
             </a:fld>
             <a:endParaRPr lang="zh-CN" altLang="en-US"/>
           </a:p>
@@ -2412,7 +2414,7 @@
           <a:p>
             <a:fld id="{471EEEF1-EA46-4397-910D-84920013A381}" type="datetimeFigureOut">
               <a:rPr lang="zh-CN" altLang="en-US" smtClean="0"/>
-              <a:t>2021/4/7</a:t>
+              <a:t>2021/4/15</a:t>
             </a:fld>
             <a:endParaRPr lang="zh-CN" altLang="en-US"/>
           </a:p>
@@ -2585,7 +2587,7 @@
           <a:p>
             <a:fld id="{471EEEF1-EA46-4397-910D-84920013A381}" type="datetimeFigureOut">
               <a:rPr lang="zh-CN" altLang="en-US" smtClean="0"/>
-              <a:t>2021/4/7</a:t>
+              <a:t>2021/4/15</a:t>
             </a:fld>
             <a:endParaRPr lang="zh-CN" altLang="en-US"/>
           </a:p>
@@ -2722,7 +2724,7 @@
           <a:p>
             <a:fld id="{471EEEF1-EA46-4397-910D-84920013A381}" type="datetimeFigureOut">
               <a:rPr lang="zh-CN" altLang="en-US" smtClean="0"/>
-              <a:t>2021/4/7</a:t>
+              <a:t>2021/4/15</a:t>
             </a:fld>
             <a:endParaRPr lang="zh-CN" altLang="en-US"/>
           </a:p>
@@ -3066,7 +3068,7 @@
           <a:p>
             <a:fld id="{471EEEF1-EA46-4397-910D-84920013A381}" type="datetimeFigureOut">
               <a:rPr lang="zh-CN" altLang="en-US" smtClean="0"/>
-              <a:t>2021/4/7</a:t>
+              <a:t>2021/4/15</a:t>
             </a:fld>
             <a:endParaRPr lang="zh-CN" altLang="en-US"/>
           </a:p>
@@ -3387,7 +3389,7 @@
           <a:p>
             <a:fld id="{471EEEF1-EA46-4397-910D-84920013A381}" type="datetimeFigureOut">
               <a:rPr lang="zh-CN" altLang="en-US" smtClean="0"/>
-              <a:t>2021/4/7</a:t>
+              <a:t>2021/4/15</a:t>
             </a:fld>
             <a:endParaRPr lang="zh-CN" altLang="en-US"/>
           </a:p>
@@ -3980,7 +3982,7 @@
           <p:cNvPr id="3" name="图片 2">
             <a:extLst>
               <a:ext uri="{FF2B5EF4-FFF2-40B4-BE49-F238E27FC236}">
-                <a16:creationId xmlns:a16="http://schemas.microsoft.com/office/drawing/2014/main" id="{A1FFE4C9-483C-4912-96C6-87AFF37E6C40}"/>
+                <a16:creationId xmlns:a16="http://schemas.microsoft.com/office/drawing/2014/main" id="{58F3C2FD-FE11-4CC3-8FD2-35FC58A1728A}"/>
               </a:ext>
             </a:extLst>
           </p:cNvPr>
@@ -3997,8 +3999,8 @@
         </p:blipFill>
         <p:spPr>
           <a:xfrm>
-            <a:off x="166659" y="318867"/>
-            <a:ext cx="1790855" cy="1676545"/>
+            <a:off x="349578" y="287568"/>
+            <a:ext cx="1783235" cy="1531753"/>
           </a:xfrm>
           <a:prstGeom prst="rect">
             <a:avLst/>
@@ -4008,7 +4010,7 @@
     </p:spTree>
     <p:extLst>
       <p:ext uri="{BB962C8B-B14F-4D97-AF65-F5344CB8AC3E}">
-        <p14:creationId xmlns:p14="http://schemas.microsoft.com/office/powerpoint/2010/main" val="1341609215"/>
+        <p14:creationId xmlns:p14="http://schemas.microsoft.com/office/powerpoint/2010/main" val="1964351862"/>
       </p:ext>
     </p:extLst>
   </p:cSld>
@@ -4040,6 +4042,126 @@
           <p:cNvPr id="3" name="图片 2">
             <a:extLst>
               <a:ext uri="{FF2B5EF4-FFF2-40B4-BE49-F238E27FC236}">
+                <a16:creationId xmlns:a16="http://schemas.microsoft.com/office/drawing/2014/main" id="{B071822A-767F-4476-B886-7592FB193AF7}"/>
+              </a:ext>
+            </a:extLst>
+          </p:cNvPr>
+          <p:cNvPicPr>
+            <a:picLocks noChangeAspect="1"/>
+          </p:cNvPicPr>
+          <p:nvPr/>
+        </p:nvPicPr>
+        <p:blipFill>
+          <a:blip r:embed="rId2"/>
+          <a:stretch>
+            <a:fillRect/>
+          </a:stretch>
+        </p:blipFill>
+        <p:spPr>
+          <a:xfrm>
+            <a:off x="376052" y="247659"/>
+            <a:ext cx="1767993" cy="1592718"/>
+          </a:xfrm>
+          <a:prstGeom prst="rect">
+            <a:avLst/>
+          </a:prstGeom>
+        </p:spPr>
+      </p:pic>
+    </p:spTree>
+    <p:extLst>
+      <p:ext uri="{BB962C8B-B14F-4D97-AF65-F5344CB8AC3E}">
+        <p14:creationId xmlns:p14="http://schemas.microsoft.com/office/powerpoint/2010/main" val="209909778"/>
+      </p:ext>
+    </p:extLst>
+  </p:cSld>
+  <p:clrMapOvr>
+    <a:masterClrMapping/>
+  </p:clrMapOvr>
+</p:sld>
+</file>
+
+<file path=ppt/slides/slide12.xml><?xml version="1.0" encoding="utf-8"?>
+<p:sld xmlns:a="http://schemas.openxmlformats.org/drawingml/2006/main" xmlns:r="http://schemas.openxmlformats.org/officeDocument/2006/relationships" xmlns:p="http://schemas.openxmlformats.org/presentationml/2006/main">
+  <p:cSld>
+    <p:spTree>
+      <p:nvGrpSpPr>
+        <p:cNvPr id="1" name=""/>
+        <p:cNvGrpSpPr/>
+        <p:nvPr/>
+      </p:nvGrpSpPr>
+      <p:grpSpPr>
+        <a:xfrm>
+          <a:off x="0" y="0"/>
+          <a:ext cx="0" cy="0"/>
+          <a:chOff x="0" y="0"/>
+          <a:chExt cx="0" cy="0"/>
+        </a:xfrm>
+      </p:grpSpPr>
+      <p:pic>
+        <p:nvPicPr>
+          <p:cNvPr id="3" name="图片 2">
+            <a:extLst>
+              <a:ext uri="{FF2B5EF4-FFF2-40B4-BE49-F238E27FC236}">
+                <a16:creationId xmlns:a16="http://schemas.microsoft.com/office/drawing/2014/main" id="{A1FFE4C9-483C-4912-96C6-87AFF37E6C40}"/>
+              </a:ext>
+            </a:extLst>
+          </p:cNvPr>
+          <p:cNvPicPr>
+            <a:picLocks noChangeAspect="1"/>
+          </p:cNvPicPr>
+          <p:nvPr/>
+        </p:nvPicPr>
+        <p:blipFill>
+          <a:blip r:embed="rId2"/>
+          <a:stretch>
+            <a:fillRect/>
+          </a:stretch>
+        </p:blipFill>
+        <p:spPr>
+          <a:xfrm>
+            <a:off x="166659" y="318867"/>
+            <a:ext cx="1790855" cy="1676545"/>
+          </a:xfrm>
+          <a:prstGeom prst="rect">
+            <a:avLst/>
+          </a:prstGeom>
+        </p:spPr>
+      </p:pic>
+    </p:spTree>
+    <p:extLst>
+      <p:ext uri="{BB962C8B-B14F-4D97-AF65-F5344CB8AC3E}">
+        <p14:creationId xmlns:p14="http://schemas.microsoft.com/office/powerpoint/2010/main" val="1341609215"/>
+      </p:ext>
+    </p:extLst>
+  </p:cSld>
+  <p:clrMapOvr>
+    <a:masterClrMapping/>
+  </p:clrMapOvr>
+</p:sld>
+</file>
+
+<file path=ppt/slides/slide13.xml><?xml version="1.0" encoding="utf-8"?>
+<p:sld xmlns:a="http://schemas.openxmlformats.org/drawingml/2006/main" xmlns:r="http://schemas.openxmlformats.org/officeDocument/2006/relationships" xmlns:p="http://schemas.openxmlformats.org/presentationml/2006/main">
+  <p:cSld>
+    <p:spTree>
+      <p:nvGrpSpPr>
+        <p:cNvPr id="1" name=""/>
+        <p:cNvGrpSpPr/>
+        <p:nvPr/>
+      </p:nvGrpSpPr>
+      <p:grpSpPr>
+        <a:xfrm>
+          <a:off x="0" y="0"/>
+          <a:ext cx="0" cy="0"/>
+          <a:chOff x="0" y="0"/>
+          <a:chExt cx="0" cy="0"/>
+        </a:xfrm>
+      </p:grpSpPr>
+      <p:pic>
+        <p:nvPicPr>
+          <p:cNvPr id="3" name="图片 2">
+            <a:extLst>
+              <a:ext uri="{FF2B5EF4-FFF2-40B4-BE49-F238E27FC236}">
                 <a16:creationId xmlns:a16="http://schemas.microsoft.com/office/drawing/2014/main" id="{BE567A12-6863-4214-8471-973CCC05E140}"/>
               </a:ext>
             </a:extLst>
@@ -4078,7 +4200,7 @@
 </p:sld>
 </file>
 
-<file path=ppt/slides/slide12.xml><?xml version="1.0" encoding="utf-8"?>
+<file path=ppt/slides/slide14.xml><?xml version="1.0" encoding="utf-8"?>
 <p:sld xmlns:a="http://schemas.openxmlformats.org/drawingml/2006/main" xmlns:r="http://schemas.openxmlformats.org/officeDocument/2006/relationships" xmlns:p="http://schemas.openxmlformats.org/presentationml/2006/main">
   <p:cSld>
     <p:spTree>
@@ -4874,7 +4996,7 @@
           <p:cNvPr id="3" name="图片 2">
             <a:extLst>
               <a:ext uri="{FF2B5EF4-FFF2-40B4-BE49-F238E27FC236}">
-                <a16:creationId xmlns:a16="http://schemas.microsoft.com/office/drawing/2014/main" id="{A7768615-638F-402E-8949-DE0209117398}"/>
+                <a16:creationId xmlns:a16="http://schemas.microsoft.com/office/drawing/2014/main" id="{0D99A84D-F83C-4055-B573-A308829114C5}"/>
               </a:ext>
             </a:extLst>
           </p:cNvPr>
@@ -4891,8 +5013,8 @@
         </p:blipFill>
         <p:spPr>
           <a:xfrm>
-            <a:off x="815326" y="559164"/>
-            <a:ext cx="2133785" cy="1874682"/>
+            <a:off x="483022" y="345881"/>
+            <a:ext cx="5581555" cy="3981022"/>
           </a:xfrm>
           <a:prstGeom prst="rect">
             <a:avLst/>
@@ -4904,7 +5026,7 @@
           <p:cNvPr id="5" name="图片 4">
             <a:extLst>
               <a:ext uri="{FF2B5EF4-FFF2-40B4-BE49-F238E27FC236}">
-                <a16:creationId xmlns:a16="http://schemas.microsoft.com/office/drawing/2014/main" id="{7ABBBF6F-E2D9-4489-8749-65D04F18B711}"/>
+                <a16:creationId xmlns:a16="http://schemas.microsoft.com/office/drawing/2014/main" id="{74C4B590-6EC1-42A3-BF9D-C45425B9BEA8}"/>
               </a:ext>
             </a:extLst>
           </p:cNvPr>
@@ -4914,21 +5036,15 @@
           <p:nvPr/>
         </p:nvPicPr>
         <p:blipFill>
-          <a:blip r:embed="rId3">
-            <a:extLst>
-              <a:ext uri="{28A0092B-C50C-407E-A947-70E740481C1C}">
-                <a14:useLocalDpi xmlns:a14="http://schemas.microsoft.com/office/drawing/2010/main" val="0"/>
-              </a:ext>
-            </a:extLst>
-          </a:blip>
+          <a:blip r:embed="rId3"/>
           <a:stretch>
             <a:fillRect/>
           </a:stretch>
         </p:blipFill>
         <p:spPr>
           <a:xfrm>
-            <a:off x="5461261" y="71253"/>
-            <a:ext cx="6300247" cy="4725185"/>
+            <a:off x="6435365" y="274778"/>
+            <a:ext cx="2566119" cy="2445203"/>
           </a:xfrm>
           <a:prstGeom prst="rect">
             <a:avLst/>
@@ -4937,10 +5053,10 @@
       </p:pic>
       <p:pic>
         <p:nvPicPr>
-          <p:cNvPr id="4" name="图片 3">
-            <a:extLst>
-              <a:ext uri="{FF2B5EF4-FFF2-40B4-BE49-F238E27FC236}">
-                <a16:creationId xmlns:a16="http://schemas.microsoft.com/office/drawing/2014/main" id="{2E6EEDBF-64EE-4E77-BBE5-BAEB8FBF0398}"/>
+          <p:cNvPr id="7" name="图片 6">
+            <a:extLst>
+              <a:ext uri="{FF2B5EF4-FFF2-40B4-BE49-F238E27FC236}">
+                <a16:creationId xmlns:a16="http://schemas.microsoft.com/office/drawing/2014/main" id="{9AD0FA1E-D0C2-40D2-8D00-19B1C43714B2}"/>
               </a:ext>
             </a:extLst>
           </p:cNvPr>
@@ -4957,38 +5073,8 @@
         </p:blipFill>
         <p:spPr>
           <a:xfrm>
-            <a:off x="126838" y="2661622"/>
-            <a:ext cx="2418400" cy="4196378"/>
-          </a:xfrm>
-          <a:prstGeom prst="rect">
-            <a:avLst/>
-          </a:prstGeom>
-        </p:spPr>
-      </p:pic>
-      <p:pic>
-        <p:nvPicPr>
-          <p:cNvPr id="8" name="图片 7">
-            <a:extLst>
-              <a:ext uri="{FF2B5EF4-FFF2-40B4-BE49-F238E27FC236}">
-                <a16:creationId xmlns:a16="http://schemas.microsoft.com/office/drawing/2014/main" id="{0129A564-D9A4-4C50-BD2F-DB4DA1095C54}"/>
-              </a:ext>
-            </a:extLst>
-          </p:cNvPr>
-          <p:cNvPicPr>
-            <a:picLocks noChangeAspect="1"/>
-          </p:cNvPicPr>
-          <p:nvPr/>
-        </p:nvPicPr>
-        <p:blipFill>
-          <a:blip r:embed="rId5"/>
-          <a:stretch>
-            <a:fillRect/>
-          </a:stretch>
-        </p:blipFill>
-        <p:spPr>
-          <a:xfrm>
-            <a:off x="2565777" y="2978871"/>
-            <a:ext cx="2555801" cy="3869002"/>
+            <a:off x="6249970" y="2926211"/>
+            <a:ext cx="2936907" cy="2423618"/>
           </a:xfrm>
           <a:prstGeom prst="rect">
             <a:avLst/>
@@ -4998,7 +5084,7 @@
     </p:spTree>
     <p:extLst>
       <p:ext uri="{BB962C8B-B14F-4D97-AF65-F5344CB8AC3E}">
-        <p14:creationId xmlns:p14="http://schemas.microsoft.com/office/powerpoint/2010/main" val="4038261069"/>
+        <p14:creationId xmlns:p14="http://schemas.microsoft.com/office/powerpoint/2010/main" val="3465580557"/>
       </p:ext>
     </p:extLst>
   </p:cSld>
@@ -5030,7 +5116,7 @@
           <p:cNvPr id="3" name="图片 2">
             <a:extLst>
               <a:ext uri="{FF2B5EF4-FFF2-40B4-BE49-F238E27FC236}">
-                <a16:creationId xmlns:a16="http://schemas.microsoft.com/office/drawing/2014/main" id="{29ED3BDC-D9A3-46CA-94D1-67C31C567C3F}"/>
+                <a16:creationId xmlns:a16="http://schemas.microsoft.com/office/drawing/2014/main" id="{A7768615-638F-402E-8949-DE0209117398}"/>
               </a:ext>
             </a:extLst>
           </p:cNvPr>
@@ -5047,8 +5133,104 @@
         </p:blipFill>
         <p:spPr>
           <a:xfrm>
-            <a:off x="456885" y="330496"/>
-            <a:ext cx="1813717" cy="1615580"/>
+            <a:off x="815326" y="559164"/>
+            <a:ext cx="2133785" cy="1874682"/>
+          </a:xfrm>
+          <a:prstGeom prst="rect">
+            <a:avLst/>
+          </a:prstGeom>
+        </p:spPr>
+      </p:pic>
+      <p:pic>
+        <p:nvPicPr>
+          <p:cNvPr id="5" name="图片 4">
+            <a:extLst>
+              <a:ext uri="{FF2B5EF4-FFF2-40B4-BE49-F238E27FC236}">
+                <a16:creationId xmlns:a16="http://schemas.microsoft.com/office/drawing/2014/main" id="{7ABBBF6F-E2D9-4489-8749-65D04F18B711}"/>
+              </a:ext>
+            </a:extLst>
+          </p:cNvPr>
+          <p:cNvPicPr>
+            <a:picLocks noChangeAspect="1"/>
+          </p:cNvPicPr>
+          <p:nvPr/>
+        </p:nvPicPr>
+        <p:blipFill>
+          <a:blip r:embed="rId3">
+            <a:extLst>
+              <a:ext uri="{28A0092B-C50C-407E-A947-70E740481C1C}">
+                <a14:useLocalDpi xmlns:a14="http://schemas.microsoft.com/office/drawing/2010/main" val="0"/>
+              </a:ext>
+            </a:extLst>
+          </a:blip>
+          <a:stretch>
+            <a:fillRect/>
+          </a:stretch>
+        </p:blipFill>
+        <p:spPr>
+          <a:xfrm>
+            <a:off x="5461261" y="71253"/>
+            <a:ext cx="6300247" cy="4725185"/>
+          </a:xfrm>
+          <a:prstGeom prst="rect">
+            <a:avLst/>
+          </a:prstGeom>
+        </p:spPr>
+      </p:pic>
+      <p:pic>
+        <p:nvPicPr>
+          <p:cNvPr id="4" name="图片 3">
+            <a:extLst>
+              <a:ext uri="{FF2B5EF4-FFF2-40B4-BE49-F238E27FC236}">
+                <a16:creationId xmlns:a16="http://schemas.microsoft.com/office/drawing/2014/main" id="{2E6EEDBF-64EE-4E77-BBE5-BAEB8FBF0398}"/>
+              </a:ext>
+            </a:extLst>
+          </p:cNvPr>
+          <p:cNvPicPr>
+            <a:picLocks noChangeAspect="1"/>
+          </p:cNvPicPr>
+          <p:nvPr/>
+        </p:nvPicPr>
+        <p:blipFill>
+          <a:blip r:embed="rId4"/>
+          <a:stretch>
+            <a:fillRect/>
+          </a:stretch>
+        </p:blipFill>
+        <p:spPr>
+          <a:xfrm>
+            <a:off x="126838" y="2661622"/>
+            <a:ext cx="2418400" cy="4196378"/>
+          </a:xfrm>
+          <a:prstGeom prst="rect">
+            <a:avLst/>
+          </a:prstGeom>
+        </p:spPr>
+      </p:pic>
+      <p:pic>
+        <p:nvPicPr>
+          <p:cNvPr id="8" name="图片 7">
+            <a:extLst>
+              <a:ext uri="{FF2B5EF4-FFF2-40B4-BE49-F238E27FC236}">
+                <a16:creationId xmlns:a16="http://schemas.microsoft.com/office/drawing/2014/main" id="{0129A564-D9A4-4C50-BD2F-DB4DA1095C54}"/>
+              </a:ext>
+            </a:extLst>
+          </p:cNvPr>
+          <p:cNvPicPr>
+            <a:picLocks noChangeAspect="1"/>
+          </p:cNvPicPr>
+          <p:nvPr/>
+        </p:nvPicPr>
+        <p:blipFill>
+          <a:blip r:embed="rId5"/>
+          <a:stretch>
+            <a:fillRect/>
+          </a:stretch>
+        </p:blipFill>
+        <p:spPr>
+          <a:xfrm>
+            <a:off x="2565777" y="2978871"/>
+            <a:ext cx="2555801" cy="3869002"/>
           </a:xfrm>
           <a:prstGeom prst="rect">
             <a:avLst/>
@@ -5058,7 +5240,7 @@
     </p:spTree>
     <p:extLst>
       <p:ext uri="{BB962C8B-B14F-4D97-AF65-F5344CB8AC3E}">
-        <p14:creationId xmlns:p14="http://schemas.microsoft.com/office/powerpoint/2010/main" val="2219838632"/>
+        <p14:creationId xmlns:p14="http://schemas.microsoft.com/office/powerpoint/2010/main" val="4038261069"/>
       </p:ext>
     </p:extLst>
   </p:cSld>
@@ -5090,7 +5272,7 @@
           <p:cNvPr id="3" name="图片 2">
             <a:extLst>
               <a:ext uri="{FF2B5EF4-FFF2-40B4-BE49-F238E27FC236}">
-                <a16:creationId xmlns:a16="http://schemas.microsoft.com/office/drawing/2014/main" id="{58F3C2FD-FE11-4CC3-8FD2-35FC58A1728A}"/>
+                <a16:creationId xmlns:a16="http://schemas.microsoft.com/office/drawing/2014/main" id="{D96754D7-0696-4BEA-BD0E-46560AF6674D}"/>
               </a:ext>
             </a:extLst>
           </p:cNvPr>
@@ -5107,8 +5289,8 @@
         </p:blipFill>
         <p:spPr>
           <a:xfrm>
-            <a:off x="349578" y="287568"/>
-            <a:ext cx="1783235" cy="1531753"/>
+            <a:off x="555780" y="521180"/>
+            <a:ext cx="5540220" cy="3741744"/>
           </a:xfrm>
           <a:prstGeom prst="rect">
             <a:avLst/>
@@ -5118,7 +5300,7 @@
     </p:spTree>
     <p:extLst>
       <p:ext uri="{BB962C8B-B14F-4D97-AF65-F5344CB8AC3E}">
-        <p14:creationId xmlns:p14="http://schemas.microsoft.com/office/powerpoint/2010/main" val="1964351862"/>
+        <p14:creationId xmlns:p14="http://schemas.microsoft.com/office/powerpoint/2010/main" val="1742792919"/>
       </p:ext>
     </p:extLst>
   </p:cSld>
@@ -5150,7 +5332,7 @@
           <p:cNvPr id="3" name="图片 2">
             <a:extLst>
               <a:ext uri="{FF2B5EF4-FFF2-40B4-BE49-F238E27FC236}">
-                <a16:creationId xmlns:a16="http://schemas.microsoft.com/office/drawing/2014/main" id="{B071822A-767F-4476-B886-7592FB193AF7}"/>
+                <a16:creationId xmlns:a16="http://schemas.microsoft.com/office/drawing/2014/main" id="{29ED3BDC-D9A3-46CA-94D1-67C31C567C3F}"/>
               </a:ext>
             </a:extLst>
           </p:cNvPr>
@@ -5167,8 +5349,8 @@
         </p:blipFill>
         <p:spPr>
           <a:xfrm>
-            <a:off x="376052" y="247659"/>
-            <a:ext cx="1767993" cy="1592718"/>
+            <a:off x="456885" y="330496"/>
+            <a:ext cx="1813717" cy="1615580"/>
           </a:xfrm>
           <a:prstGeom prst="rect">
             <a:avLst/>
@@ -5178,7 +5360,7 @@
     </p:spTree>
     <p:extLst>
       <p:ext uri="{BB962C8B-B14F-4D97-AF65-F5344CB8AC3E}">
-        <p14:creationId xmlns:p14="http://schemas.microsoft.com/office/powerpoint/2010/main" val="209909778"/>
+        <p14:creationId xmlns:p14="http://schemas.microsoft.com/office/powerpoint/2010/main" val="2219838632"/>
       </p:ext>
     </p:extLst>
   </p:cSld>

--- a/CP/ppt/总结.pptx
+++ b/CP/ppt/总结.pptx
@@ -5,7 +5,7 @@
     <p:sldMasterId id="2147483648" r:id="rId1"/>
   </p:sldMasterIdLst>
   <p:notesMasterIdLst>
-    <p:notesMasterId r:id="rId16"/>
+    <p:notesMasterId r:id="rId17"/>
   </p:notesMasterIdLst>
   <p:sldIdLst>
     <p:sldId id="256" r:id="rId2"/>
@@ -22,6 +22,7 @@
     <p:sldId id="265" r:id="rId13"/>
     <p:sldId id="266" r:id="rId14"/>
     <p:sldId id="267" r:id="rId15"/>
+    <p:sldId id="270" r:id="rId16"/>
   </p:sldIdLst>
   <p:sldSz cx="12192000" cy="6858000"/>
   <p:notesSz cx="6858000" cy="9144000"/>
@@ -213,7 +214,7 @@
           <a:p>
             <a:fld id="{E54CE5E4-8022-4BFB-8D88-6283C8B48319}" type="datetimeFigureOut">
               <a:rPr lang="zh-CN" altLang="en-US" smtClean="0"/>
-              <a:t>2021/4/15</a:t>
+              <a:t>2021/5/24</a:t>
             </a:fld>
             <a:endParaRPr lang="zh-CN" altLang="en-US"/>
           </a:p>
@@ -641,7 +642,7 @@
           <a:p>
             <a:fld id="{471EEEF1-EA46-4397-910D-84920013A381}" type="datetimeFigureOut">
               <a:rPr lang="zh-CN" altLang="en-US" smtClean="0"/>
-              <a:t>2021/4/15</a:t>
+              <a:t>2021/5/24</a:t>
             </a:fld>
             <a:endParaRPr lang="zh-CN" altLang="en-US"/>
           </a:p>
@@ -879,7 +880,7 @@
           <a:p>
             <a:fld id="{471EEEF1-EA46-4397-910D-84920013A381}" type="datetimeFigureOut">
               <a:rPr lang="zh-CN" altLang="en-US" smtClean="0"/>
-              <a:t>2021/4/15</a:t>
+              <a:t>2021/5/24</a:t>
             </a:fld>
             <a:endParaRPr lang="zh-CN" altLang="en-US"/>
           </a:p>
@@ -1117,7 +1118,7 @@
           <a:p>
             <a:fld id="{471EEEF1-EA46-4397-910D-84920013A381}" type="datetimeFigureOut">
               <a:rPr lang="zh-CN" altLang="en-US" smtClean="0"/>
-              <a:t>2021/4/15</a:t>
+              <a:t>2021/5/24</a:t>
             </a:fld>
             <a:endParaRPr lang="zh-CN" altLang="en-US"/>
           </a:p>
@@ -1355,7 +1356,7 @@
           <a:p>
             <a:fld id="{471EEEF1-EA46-4397-910D-84920013A381}" type="datetimeFigureOut">
               <a:rPr lang="zh-CN" altLang="en-US" smtClean="0"/>
-              <a:t>2021/4/15</a:t>
+              <a:t>2021/5/24</a:t>
             </a:fld>
             <a:endParaRPr lang="zh-CN" altLang="en-US"/>
           </a:p>
@@ -1660,7 +1661,7 @@
           <a:p>
             <a:fld id="{471EEEF1-EA46-4397-910D-84920013A381}" type="datetimeFigureOut">
               <a:rPr lang="zh-CN" altLang="en-US" smtClean="0"/>
-              <a:t>2021/4/15</a:t>
+              <a:t>2021/5/24</a:t>
             </a:fld>
             <a:endParaRPr lang="zh-CN" altLang="en-US"/>
           </a:p>
@@ -1963,7 +1964,7 @@
           <a:p>
             <a:fld id="{471EEEF1-EA46-4397-910D-84920013A381}" type="datetimeFigureOut">
               <a:rPr lang="zh-CN" altLang="en-US" smtClean="0"/>
-              <a:t>2021/4/15</a:t>
+              <a:t>2021/5/24</a:t>
             </a:fld>
             <a:endParaRPr lang="zh-CN" altLang="en-US"/>
           </a:p>
@@ -2414,7 +2415,7 @@
           <a:p>
             <a:fld id="{471EEEF1-EA46-4397-910D-84920013A381}" type="datetimeFigureOut">
               <a:rPr lang="zh-CN" altLang="en-US" smtClean="0"/>
-              <a:t>2021/4/15</a:t>
+              <a:t>2021/5/24</a:t>
             </a:fld>
             <a:endParaRPr lang="zh-CN" altLang="en-US"/>
           </a:p>
@@ -2587,7 +2588,7 @@
           <a:p>
             <a:fld id="{471EEEF1-EA46-4397-910D-84920013A381}" type="datetimeFigureOut">
               <a:rPr lang="zh-CN" altLang="en-US" smtClean="0"/>
-              <a:t>2021/4/15</a:t>
+              <a:t>2021/5/24</a:t>
             </a:fld>
             <a:endParaRPr lang="zh-CN" altLang="en-US"/>
           </a:p>
@@ -2724,7 +2725,7 @@
           <a:p>
             <a:fld id="{471EEEF1-EA46-4397-910D-84920013A381}" type="datetimeFigureOut">
               <a:rPr lang="zh-CN" altLang="en-US" smtClean="0"/>
-              <a:t>2021/4/15</a:t>
+              <a:t>2021/5/24</a:t>
             </a:fld>
             <a:endParaRPr lang="zh-CN" altLang="en-US"/>
           </a:p>
@@ -3068,7 +3069,7 @@
           <a:p>
             <a:fld id="{471EEEF1-EA46-4397-910D-84920013A381}" type="datetimeFigureOut">
               <a:rPr lang="zh-CN" altLang="en-US" smtClean="0"/>
-              <a:t>2021/4/15</a:t>
+              <a:t>2021/5/24</a:t>
             </a:fld>
             <a:endParaRPr lang="zh-CN" altLang="en-US"/>
           </a:p>
@@ -3389,7 +3390,7 @@
           <a:p>
             <a:fld id="{471EEEF1-EA46-4397-910D-84920013A381}" type="datetimeFigureOut">
               <a:rPr lang="zh-CN" altLang="en-US" smtClean="0"/>
-              <a:t>2021/4/15</a:t>
+              <a:t>2021/5/24</a:t>
             </a:fld>
             <a:endParaRPr lang="zh-CN" altLang="en-US"/>
           </a:p>
@@ -4251,6 +4252,124 @@
     <p:extLst>
       <p:ext uri="{BB962C8B-B14F-4D97-AF65-F5344CB8AC3E}">
         <p14:creationId xmlns:p14="http://schemas.microsoft.com/office/powerpoint/2010/main" val="451865677"/>
+      </p:ext>
+    </p:extLst>
+  </p:cSld>
+  <p:clrMapOvr>
+    <a:masterClrMapping/>
+  </p:clrMapOvr>
+</p:sld>
+</file>
+
+<file path=ppt/slides/slide15.xml><?xml version="1.0" encoding="utf-8"?>
+<p:sld xmlns:a="http://schemas.openxmlformats.org/drawingml/2006/main" xmlns:r="http://schemas.openxmlformats.org/officeDocument/2006/relationships" xmlns:p="http://schemas.openxmlformats.org/presentationml/2006/main">
+  <p:cSld>
+    <p:spTree>
+      <p:nvGrpSpPr>
+        <p:cNvPr id="1" name=""/>
+        <p:cNvGrpSpPr/>
+        <p:nvPr/>
+      </p:nvGrpSpPr>
+      <p:grpSpPr>
+        <a:xfrm>
+          <a:off x="0" y="0"/>
+          <a:ext cx="0" cy="0"/>
+          <a:chOff x="0" y="0"/>
+          <a:chExt cx="0" cy="0"/>
+        </a:xfrm>
+      </p:grpSpPr>
+      <p:sp>
+        <p:nvSpPr>
+          <p:cNvPr id="2" name="文本框 1">
+            <a:extLst>
+              <a:ext uri="{FF2B5EF4-FFF2-40B4-BE49-F238E27FC236}">
+                <a16:creationId xmlns:a16="http://schemas.microsoft.com/office/drawing/2014/main" id="{30E550F3-5AAE-498F-A55C-5338C4192DC5}"/>
+              </a:ext>
+            </a:extLst>
+          </p:cNvPr>
+          <p:cNvSpPr txBox="1"/>
+          <p:nvPr/>
+        </p:nvSpPr>
+        <p:spPr>
+          <a:xfrm>
+            <a:off x="3450211" y="961534"/>
+            <a:ext cx="3733014" cy="646331"/>
+          </a:xfrm>
+          <a:prstGeom prst="rect">
+            <a:avLst/>
+          </a:prstGeom>
+          <a:noFill/>
+        </p:spPr>
+        <p:txBody>
+          <a:bodyPr wrap="square" rtlCol="0">
+            <a:spAutoFit/>
+          </a:bodyPr>
+          <a:lstStyle/>
+          <a:p>
+            <a:r>
+              <a:rPr lang="zh-CN" altLang="en-US" sz="1800" dirty="0">
+                <a:latin typeface="Courier New" panose="02070309020205020404" pitchFamily="49" charset="0"/>
+              </a:rPr>
+              <a:t>正常优化层间距离为：</a:t>
+            </a:r>
+            <a:r>
+              <a:rPr lang="en-US" altLang="zh-CN" sz="1800" dirty="0">
+                <a:latin typeface="Courier New" panose="02070309020205020404" pitchFamily="49" charset="0"/>
+              </a:rPr>
+              <a:t>4.40497A</a:t>
+            </a:r>
+          </a:p>
+          <a:p>
+            <a:r>
+              <a:rPr lang="zh-CN" altLang="en-US" dirty="0">
+                <a:latin typeface="Courier New" panose="02070309020205020404" pitchFamily="49" charset="0"/>
+              </a:rPr>
+              <a:t>原本的真空层距离为：</a:t>
+            </a:r>
+            <a:r>
+              <a:rPr lang="en-US" altLang="zh-CN" dirty="0">
+                <a:latin typeface="Courier New" panose="02070309020205020404" pitchFamily="49" charset="0"/>
+              </a:rPr>
+              <a:t>15A</a:t>
+            </a:r>
+            <a:endParaRPr lang="zh-CN" altLang="en-US" dirty="0"/>
+          </a:p>
+        </p:txBody>
+      </p:sp>
+      <p:pic>
+        <p:nvPicPr>
+          <p:cNvPr id="4" name="图片 3">
+            <a:extLst>
+              <a:ext uri="{FF2B5EF4-FFF2-40B4-BE49-F238E27FC236}">
+                <a16:creationId xmlns:a16="http://schemas.microsoft.com/office/drawing/2014/main" id="{F2A3B9A5-3496-45B0-B80D-F268B7F9577A}"/>
+              </a:ext>
+            </a:extLst>
+          </p:cNvPr>
+          <p:cNvPicPr>
+            <a:picLocks noChangeAspect="1"/>
+          </p:cNvPicPr>
+          <p:nvPr/>
+        </p:nvPicPr>
+        <p:blipFill>
+          <a:blip r:embed="rId2"/>
+          <a:stretch>
+            <a:fillRect/>
+          </a:stretch>
+        </p:blipFill>
+        <p:spPr>
+          <a:xfrm>
+            <a:off x="994345" y="1922397"/>
+            <a:ext cx="7834039" cy="3406435"/>
+          </a:xfrm>
+          <a:prstGeom prst="rect">
+            <a:avLst/>
+          </a:prstGeom>
+        </p:spPr>
+      </p:pic>
+    </p:spTree>
+    <p:extLst>
+      <p:ext uri="{BB962C8B-B14F-4D97-AF65-F5344CB8AC3E}">
+        <p14:creationId xmlns:p14="http://schemas.microsoft.com/office/powerpoint/2010/main" val="314562726"/>
       </p:ext>
     </p:extLst>
   </p:cSld>
